--- a/Examples/Data/Presentations/Saving/image_group.pptx
+++ b/Examples/Data/Presentations/Saving/image_group.pptx
@@ -1,6 +1,6 @@
 
 <file path=ppt/presentation.xml><?xml version="1.0" encoding="utf-8"?>
-<!--Generated by Aspose.Slides for .NET 19.5-->
+<!--Generated by Aspose.Slides for .NET 21.12-->
 <p:presentation xmlns:r="http://schemas.openxmlformats.org/officeDocument/2006/relationships" xmlns:a="http://schemas.openxmlformats.org/drawingml/2006/main" xmlns:p="http://schemas.openxmlformats.org/presentationml/2006/main" saveSubsetFonts="1" autoCompressPictures="0">
   <p:sldMasterIdLst>
     <p:sldMasterId id="2147483648" r:id="rId1"/>
@@ -112,7 +112,7 @@
 </file>
 
 <file path=ppt/slideLayouts/slideLayout1.xml><?xml version="1.0" encoding="utf-8"?>
-<p:sldLayout xmlns:a="http://schemas.openxmlformats.org/drawingml/2006/main" xmlns:r="http://schemas.openxmlformats.org/officeDocument/2006/relationships" xmlns:p14="http://schemas.microsoft.com/office/powerpoint/2010/main" xmlns:a14="http://schemas.microsoft.com/office/drawing/2010/main" xmlns:p15="http://schemas.microsoft.com/office/powerpoint/2012/main" xmlns:p159="http://schemas.microsoft.com/office/powerpoint/2015/09/main" xmlns:p="http://schemas.openxmlformats.org/presentationml/2006/main" type="title" preserve="1">
+<p:sldLayout xmlns:a="http://schemas.openxmlformats.org/drawingml/2006/main" xmlns:r="http://schemas.openxmlformats.org/officeDocument/2006/relationships" xmlns:m="http://schemas.openxmlformats.org/officeDocument/2006/math" xmlns:w="http://schemas.openxmlformats.org/wordprocessingml/2006/main" xmlns:wp="http://schemas.openxmlformats.org/drawingml/2006/wordprocessingDrawing" xmlns:a14="http://schemas.microsoft.com/office/drawing/2010/main" xmlns:mc="http://schemas.openxmlformats.org/markup-compatibility/2006" xmlns:p14="http://schemas.microsoft.com/office/powerpoint/2010/main" xmlns:p15="http://schemas.microsoft.com/office/powerpoint/2012/main" xmlns:p159="http://schemas.microsoft.com/office/powerpoint/2015/09/main" xmlns:p="http://schemas.openxmlformats.org/presentationml/2006/main" type="title" preserve="1">
   <p:cSld name="Titelfolie">
     <p:spTree>
       <p:nvGrpSpPr>
@@ -332,7 +332,7 @@
 </file>
 
 <file path=ppt/slideLayouts/slideLayout10.xml><?xml version="1.0" encoding="utf-8"?>
-<p:sldLayout xmlns:a="http://schemas.openxmlformats.org/drawingml/2006/main" xmlns:r="http://schemas.openxmlformats.org/officeDocument/2006/relationships" xmlns:p14="http://schemas.microsoft.com/office/powerpoint/2010/main" xmlns:a14="http://schemas.microsoft.com/office/drawing/2010/main" xmlns:p15="http://schemas.microsoft.com/office/powerpoint/2012/main" xmlns:p159="http://schemas.microsoft.com/office/powerpoint/2015/09/main" xmlns:p="http://schemas.openxmlformats.org/presentationml/2006/main" type="vertTx" preserve="1">
+<p:sldLayout xmlns:a="http://schemas.openxmlformats.org/drawingml/2006/main" xmlns:r="http://schemas.openxmlformats.org/officeDocument/2006/relationships" xmlns:m="http://schemas.openxmlformats.org/officeDocument/2006/math" xmlns:w="http://schemas.openxmlformats.org/wordprocessingml/2006/main" xmlns:wp="http://schemas.openxmlformats.org/drawingml/2006/wordprocessingDrawing" xmlns:a14="http://schemas.microsoft.com/office/drawing/2010/main" xmlns:mc="http://schemas.openxmlformats.org/markup-compatibility/2006" xmlns:p14="http://schemas.microsoft.com/office/powerpoint/2010/main" xmlns:p15="http://schemas.microsoft.com/office/powerpoint/2012/main" xmlns:p159="http://schemas.microsoft.com/office/powerpoint/2015/09/main" xmlns:p="http://schemas.openxmlformats.org/presentationml/2006/main" type="vertTx" preserve="1">
   <p:cSld name="Titel und vertikaler Text">
     <p:spTree>
       <p:nvGrpSpPr>
@@ -505,7 +505,7 @@
 </file>
 
 <file path=ppt/slideLayouts/slideLayout11.xml><?xml version="1.0" encoding="utf-8"?>
-<p:sldLayout xmlns:a="http://schemas.openxmlformats.org/drawingml/2006/main" xmlns:r="http://schemas.openxmlformats.org/officeDocument/2006/relationships" xmlns:p14="http://schemas.microsoft.com/office/powerpoint/2010/main" xmlns:a14="http://schemas.microsoft.com/office/drawing/2010/main" xmlns:p15="http://schemas.microsoft.com/office/powerpoint/2012/main" xmlns:p159="http://schemas.microsoft.com/office/powerpoint/2015/09/main" xmlns:p="http://schemas.openxmlformats.org/presentationml/2006/main" type="vertTitleAndTx" preserve="1">
+<p:sldLayout xmlns:a="http://schemas.openxmlformats.org/drawingml/2006/main" xmlns:r="http://schemas.openxmlformats.org/officeDocument/2006/relationships" xmlns:m="http://schemas.openxmlformats.org/officeDocument/2006/math" xmlns:w="http://schemas.openxmlformats.org/wordprocessingml/2006/main" xmlns:wp="http://schemas.openxmlformats.org/drawingml/2006/wordprocessingDrawing" xmlns:a14="http://schemas.microsoft.com/office/drawing/2010/main" xmlns:mc="http://schemas.openxmlformats.org/markup-compatibility/2006" xmlns:p14="http://schemas.microsoft.com/office/powerpoint/2010/main" xmlns:p15="http://schemas.microsoft.com/office/powerpoint/2012/main" xmlns:p159="http://schemas.microsoft.com/office/powerpoint/2015/09/main" xmlns:p="http://schemas.openxmlformats.org/presentationml/2006/main" type="vertTitleAndTx" preserve="1">
   <p:cSld name="Vertikaler Titel und Text">
     <p:spTree>
       <p:nvGrpSpPr>
@@ -688,7 +688,7 @@
 </file>
 
 <file path=ppt/slideLayouts/slideLayout2.xml><?xml version="1.0" encoding="utf-8"?>
-<p:sldLayout xmlns:a="http://schemas.openxmlformats.org/drawingml/2006/main" xmlns:r="http://schemas.openxmlformats.org/officeDocument/2006/relationships" xmlns:p14="http://schemas.microsoft.com/office/powerpoint/2010/main" xmlns:a14="http://schemas.microsoft.com/office/drawing/2010/main" xmlns:p15="http://schemas.microsoft.com/office/powerpoint/2012/main" xmlns:p159="http://schemas.microsoft.com/office/powerpoint/2015/09/main" xmlns:p="http://schemas.openxmlformats.org/presentationml/2006/main" type="obj" preserve="1">
+<p:sldLayout xmlns:a="http://schemas.openxmlformats.org/drawingml/2006/main" xmlns:r="http://schemas.openxmlformats.org/officeDocument/2006/relationships" xmlns:m="http://schemas.openxmlformats.org/officeDocument/2006/math" xmlns:w="http://schemas.openxmlformats.org/wordprocessingml/2006/main" xmlns:wp="http://schemas.openxmlformats.org/drawingml/2006/wordprocessingDrawing" xmlns:a14="http://schemas.microsoft.com/office/drawing/2010/main" xmlns:mc="http://schemas.openxmlformats.org/markup-compatibility/2006" xmlns:p14="http://schemas.microsoft.com/office/powerpoint/2010/main" xmlns:p15="http://schemas.microsoft.com/office/powerpoint/2012/main" xmlns:p159="http://schemas.microsoft.com/office/powerpoint/2015/09/main" xmlns:p="http://schemas.openxmlformats.org/presentationml/2006/main" type="obj" preserve="1">
   <p:cSld name="Titel und Inhalt">
     <p:spTree>
       <p:nvGrpSpPr>
@@ -861,7 +861,7 @@
 </file>
 
 <file path=ppt/slideLayouts/slideLayout3.xml><?xml version="1.0" encoding="utf-8"?>
-<p:sldLayout xmlns:a="http://schemas.openxmlformats.org/drawingml/2006/main" xmlns:r="http://schemas.openxmlformats.org/officeDocument/2006/relationships" xmlns:p14="http://schemas.microsoft.com/office/powerpoint/2010/main" xmlns:a14="http://schemas.microsoft.com/office/drawing/2010/main" xmlns:p15="http://schemas.microsoft.com/office/powerpoint/2012/main" xmlns:p159="http://schemas.microsoft.com/office/powerpoint/2015/09/main" xmlns:p="http://schemas.openxmlformats.org/presentationml/2006/main" type="secHead" preserve="1">
+<p:sldLayout xmlns:a="http://schemas.openxmlformats.org/drawingml/2006/main" xmlns:r="http://schemas.openxmlformats.org/officeDocument/2006/relationships" xmlns:m="http://schemas.openxmlformats.org/officeDocument/2006/math" xmlns:w="http://schemas.openxmlformats.org/wordprocessingml/2006/main" xmlns:wp="http://schemas.openxmlformats.org/drawingml/2006/wordprocessingDrawing" xmlns:a14="http://schemas.microsoft.com/office/drawing/2010/main" xmlns:mc="http://schemas.openxmlformats.org/markup-compatibility/2006" xmlns:p14="http://schemas.microsoft.com/office/powerpoint/2010/main" xmlns:p15="http://schemas.microsoft.com/office/powerpoint/2012/main" xmlns:p159="http://schemas.microsoft.com/office/powerpoint/2015/09/main" xmlns:p="http://schemas.openxmlformats.org/presentationml/2006/main" type="secHead" preserve="1">
   <p:cSld name="Abschnitts-&#10;überschrift">
     <p:spTree>
       <p:nvGrpSpPr>
@@ -1139,7 +1139,7 @@
 </file>
 
 <file path=ppt/slideLayouts/slideLayout4.xml><?xml version="1.0" encoding="utf-8"?>
-<p:sldLayout xmlns:a="http://schemas.openxmlformats.org/drawingml/2006/main" xmlns:r="http://schemas.openxmlformats.org/officeDocument/2006/relationships" xmlns:p14="http://schemas.microsoft.com/office/powerpoint/2010/main" xmlns:a14="http://schemas.microsoft.com/office/drawing/2010/main" xmlns:p15="http://schemas.microsoft.com/office/powerpoint/2012/main" xmlns:p159="http://schemas.microsoft.com/office/powerpoint/2015/09/main" xmlns:p="http://schemas.openxmlformats.org/presentationml/2006/main" type="twoObj" preserve="1">
+<p:sldLayout xmlns:a="http://schemas.openxmlformats.org/drawingml/2006/main" xmlns:r="http://schemas.openxmlformats.org/officeDocument/2006/relationships" xmlns:m="http://schemas.openxmlformats.org/officeDocument/2006/math" xmlns:w="http://schemas.openxmlformats.org/wordprocessingml/2006/main" xmlns:wp="http://schemas.openxmlformats.org/drawingml/2006/wordprocessingDrawing" xmlns:a14="http://schemas.microsoft.com/office/drawing/2010/main" xmlns:mc="http://schemas.openxmlformats.org/markup-compatibility/2006" xmlns:p14="http://schemas.microsoft.com/office/powerpoint/2010/main" xmlns:p15="http://schemas.microsoft.com/office/powerpoint/2012/main" xmlns:p159="http://schemas.microsoft.com/office/powerpoint/2015/09/main" xmlns:p="http://schemas.openxmlformats.org/presentationml/2006/main" type="twoObj" preserve="1">
   <p:cSld name="Zwei Inhalte">
     <p:spTree>
       <p:nvGrpSpPr>
@@ -1354,7 +1354,7 @@
 </file>
 
 <file path=ppt/slideLayouts/slideLayout5.xml><?xml version="1.0" encoding="utf-8"?>
-<p:sldLayout xmlns:a="http://schemas.openxmlformats.org/drawingml/2006/main" xmlns:r="http://schemas.openxmlformats.org/officeDocument/2006/relationships" xmlns:p14="http://schemas.microsoft.com/office/powerpoint/2010/main" xmlns:a14="http://schemas.microsoft.com/office/drawing/2010/main" xmlns:p15="http://schemas.microsoft.com/office/powerpoint/2012/main" xmlns:p159="http://schemas.microsoft.com/office/powerpoint/2015/09/main" xmlns:p="http://schemas.openxmlformats.org/presentationml/2006/main" type="twoTxTwoObj" preserve="1">
+<p:sldLayout xmlns:a="http://schemas.openxmlformats.org/drawingml/2006/main" xmlns:r="http://schemas.openxmlformats.org/officeDocument/2006/relationships" xmlns:m="http://schemas.openxmlformats.org/officeDocument/2006/math" xmlns:w="http://schemas.openxmlformats.org/wordprocessingml/2006/main" xmlns:wp="http://schemas.openxmlformats.org/drawingml/2006/wordprocessingDrawing" xmlns:a14="http://schemas.microsoft.com/office/drawing/2010/main" xmlns:mc="http://schemas.openxmlformats.org/markup-compatibility/2006" xmlns:p14="http://schemas.microsoft.com/office/powerpoint/2010/main" xmlns:p15="http://schemas.microsoft.com/office/powerpoint/2012/main" xmlns:p159="http://schemas.microsoft.com/office/powerpoint/2015/09/main" xmlns:p="http://schemas.openxmlformats.org/presentationml/2006/main" type="twoTxTwoObj" preserve="1">
   <p:cSld name="Vergleich">
     <p:spTree>
       <p:nvGrpSpPr>
@@ -1722,7 +1722,7 @@
 </file>
 
 <file path=ppt/slideLayouts/slideLayout6.xml><?xml version="1.0" encoding="utf-8"?>
-<p:sldLayout xmlns:a="http://schemas.openxmlformats.org/drawingml/2006/main" xmlns:r="http://schemas.openxmlformats.org/officeDocument/2006/relationships" xmlns:p14="http://schemas.microsoft.com/office/powerpoint/2010/main" xmlns:a14="http://schemas.microsoft.com/office/drawing/2010/main" xmlns:p15="http://schemas.microsoft.com/office/powerpoint/2012/main" xmlns:p159="http://schemas.microsoft.com/office/powerpoint/2015/09/main" xmlns:p="http://schemas.openxmlformats.org/presentationml/2006/main" type="titleOnly" preserve="1">
+<p:sldLayout xmlns:a="http://schemas.openxmlformats.org/drawingml/2006/main" xmlns:r="http://schemas.openxmlformats.org/officeDocument/2006/relationships" xmlns:m="http://schemas.openxmlformats.org/officeDocument/2006/math" xmlns:w="http://schemas.openxmlformats.org/wordprocessingml/2006/main" xmlns:wp="http://schemas.openxmlformats.org/drawingml/2006/wordprocessingDrawing" xmlns:a14="http://schemas.microsoft.com/office/drawing/2010/main" xmlns:mc="http://schemas.openxmlformats.org/markup-compatibility/2006" xmlns:p14="http://schemas.microsoft.com/office/powerpoint/2010/main" xmlns:p15="http://schemas.microsoft.com/office/powerpoint/2012/main" xmlns:p159="http://schemas.microsoft.com/office/powerpoint/2015/09/main" xmlns:p="http://schemas.openxmlformats.org/presentationml/2006/main" type="titleOnly" preserve="1">
   <p:cSld name="Nur Titel">
     <p:spTree>
       <p:nvGrpSpPr>
@@ -1863,7 +1863,7 @@
 </file>
 
 <file path=ppt/slideLayouts/slideLayout7.xml><?xml version="1.0" encoding="utf-8"?>
-<p:sldLayout xmlns:a="http://schemas.openxmlformats.org/drawingml/2006/main" xmlns:r="http://schemas.openxmlformats.org/officeDocument/2006/relationships" xmlns:p14="http://schemas.microsoft.com/office/powerpoint/2010/main" xmlns:a14="http://schemas.microsoft.com/office/drawing/2010/main" xmlns:p15="http://schemas.microsoft.com/office/powerpoint/2012/main" xmlns:p159="http://schemas.microsoft.com/office/powerpoint/2015/09/main" xmlns:p="http://schemas.openxmlformats.org/presentationml/2006/main" type="blank" preserve="1">
+<p:sldLayout xmlns:a="http://schemas.openxmlformats.org/drawingml/2006/main" xmlns:r="http://schemas.openxmlformats.org/officeDocument/2006/relationships" xmlns:m="http://schemas.openxmlformats.org/officeDocument/2006/math" xmlns:w="http://schemas.openxmlformats.org/wordprocessingml/2006/main" xmlns:wp="http://schemas.openxmlformats.org/drawingml/2006/wordprocessingDrawing" xmlns:a14="http://schemas.microsoft.com/office/drawing/2010/main" xmlns:mc="http://schemas.openxmlformats.org/markup-compatibility/2006" xmlns:p14="http://schemas.microsoft.com/office/powerpoint/2010/main" xmlns:p15="http://schemas.microsoft.com/office/powerpoint/2012/main" xmlns:p159="http://schemas.microsoft.com/office/powerpoint/2015/09/main" xmlns:p="http://schemas.openxmlformats.org/presentationml/2006/main" type="blank" preserve="1">
   <p:cSld name="Leer">
     <p:spTree>
       <p:nvGrpSpPr>
@@ -1976,7 +1976,7 @@
 </file>
 
 <file path=ppt/slideLayouts/slideLayout8.xml><?xml version="1.0" encoding="utf-8"?>
-<p:sldLayout xmlns:a="http://schemas.openxmlformats.org/drawingml/2006/main" xmlns:r="http://schemas.openxmlformats.org/officeDocument/2006/relationships" xmlns:p14="http://schemas.microsoft.com/office/powerpoint/2010/main" xmlns:a14="http://schemas.microsoft.com/office/drawing/2010/main" xmlns:p15="http://schemas.microsoft.com/office/powerpoint/2012/main" xmlns:p159="http://schemas.microsoft.com/office/powerpoint/2015/09/main" xmlns:p="http://schemas.openxmlformats.org/presentationml/2006/main" type="objTx" preserve="1">
+<p:sldLayout xmlns:a="http://schemas.openxmlformats.org/drawingml/2006/main" xmlns:r="http://schemas.openxmlformats.org/officeDocument/2006/relationships" xmlns:m="http://schemas.openxmlformats.org/officeDocument/2006/math" xmlns:w="http://schemas.openxmlformats.org/wordprocessingml/2006/main" xmlns:wp="http://schemas.openxmlformats.org/drawingml/2006/wordprocessingDrawing" xmlns:a14="http://schemas.microsoft.com/office/drawing/2010/main" xmlns:mc="http://schemas.openxmlformats.org/markup-compatibility/2006" xmlns:p14="http://schemas.microsoft.com/office/powerpoint/2010/main" xmlns:p15="http://schemas.microsoft.com/office/powerpoint/2012/main" xmlns:p159="http://schemas.microsoft.com/office/powerpoint/2015/09/main" xmlns:p="http://schemas.openxmlformats.org/presentationml/2006/main" type="objTx" preserve="1">
   <p:cSld name="Inhalt mit Überschrift">
     <p:spTree>
       <p:nvGrpSpPr>
@@ -2265,7 +2265,7 @@
 </file>
 
 <file path=ppt/slideLayouts/slideLayout9.xml><?xml version="1.0" encoding="utf-8"?>
-<p:sldLayout xmlns:a="http://schemas.openxmlformats.org/drawingml/2006/main" xmlns:r="http://schemas.openxmlformats.org/officeDocument/2006/relationships" xmlns:p14="http://schemas.microsoft.com/office/powerpoint/2010/main" xmlns:a14="http://schemas.microsoft.com/office/drawing/2010/main" xmlns:p15="http://schemas.microsoft.com/office/powerpoint/2012/main" xmlns:p159="http://schemas.microsoft.com/office/powerpoint/2015/09/main" xmlns:p="http://schemas.openxmlformats.org/presentationml/2006/main" type="picTx" preserve="1">
+<p:sldLayout xmlns:a="http://schemas.openxmlformats.org/drawingml/2006/main" xmlns:r="http://schemas.openxmlformats.org/officeDocument/2006/relationships" xmlns:m="http://schemas.openxmlformats.org/officeDocument/2006/math" xmlns:w="http://schemas.openxmlformats.org/wordprocessingml/2006/main" xmlns:wp="http://schemas.openxmlformats.org/drawingml/2006/wordprocessingDrawing" xmlns:a14="http://schemas.microsoft.com/office/drawing/2010/main" xmlns:mc="http://schemas.openxmlformats.org/markup-compatibility/2006" xmlns:p14="http://schemas.microsoft.com/office/powerpoint/2010/main" xmlns:p15="http://schemas.microsoft.com/office/powerpoint/2012/main" xmlns:p159="http://schemas.microsoft.com/office/powerpoint/2015/09/main" xmlns:p="http://schemas.openxmlformats.org/presentationml/2006/main" type="picTx" preserve="1">
   <p:cSld name="Bild mit Überschrift">
     <p:spTree>
       <p:nvGrpSpPr>
@@ -2556,7 +2556,7 @@
 </file>
 
 <file path=ppt/slideMasters/slideMaster1.xml><?xml version="1.0" encoding="utf-8"?>
-<p:sldMaster xmlns:a="http://schemas.openxmlformats.org/drawingml/2006/main" xmlns:r="http://schemas.openxmlformats.org/officeDocument/2006/relationships" xmlns:p14="http://schemas.microsoft.com/office/powerpoint/2010/main" xmlns:a14="http://schemas.microsoft.com/office/drawing/2010/main" xmlns:p15="http://schemas.microsoft.com/office/powerpoint/2012/main" xmlns:p159="http://schemas.microsoft.com/office/powerpoint/2015/09/main" xmlns:p="http://schemas.openxmlformats.org/presentationml/2006/main">
+<p:sldMaster xmlns:a="http://schemas.openxmlformats.org/drawingml/2006/main" xmlns:r="http://schemas.openxmlformats.org/officeDocument/2006/relationships" xmlns:m="http://schemas.openxmlformats.org/officeDocument/2006/math" xmlns:w="http://schemas.openxmlformats.org/wordprocessingml/2006/main" xmlns:wp="http://schemas.openxmlformats.org/drawingml/2006/wordprocessingDrawing" xmlns:a14="http://schemas.microsoft.com/office/drawing/2010/main" xmlns:mc="http://schemas.openxmlformats.org/markup-compatibility/2006" xmlns:p14="http://schemas.microsoft.com/office/powerpoint/2010/main" xmlns:p15="http://schemas.microsoft.com/office/powerpoint/2012/main" xmlns:p159="http://schemas.microsoft.com/office/powerpoint/2015/09/main" xmlns:p="http://schemas.openxmlformats.org/presentationml/2006/main">
   <p:cSld>
     <p:bg>
       <p:bgRef idx="1001">
@@ -2843,7 +2843,7 @@
         <a:spcBef>
           <a:spcPts val="1000"/>
         </a:spcBef>
-        <a:buFont typeface="Arial" panose="020b0604020202020204" pitchFamily="34" charset="0"/>
+        <a:buFont typeface="Arial" pitchFamily="34" charset="0"/>
         <a:buChar char="•"/>
         <a:defRPr sz="2800" kern="1200">
           <a:solidFill>
@@ -2861,7 +2861,7 @@
         <a:spcBef>
           <a:spcPts val="500"/>
         </a:spcBef>
-        <a:buFont typeface="Arial" panose="020b0604020202020204" pitchFamily="34" charset="0"/>
+        <a:buFont typeface="Arial" pitchFamily="34" charset="0"/>
         <a:buChar char="•"/>
         <a:defRPr sz="2400" kern="1200">
           <a:solidFill>
@@ -2879,7 +2879,7 @@
         <a:spcBef>
           <a:spcPts val="500"/>
         </a:spcBef>
-        <a:buFont typeface="Arial" panose="020b0604020202020204" pitchFamily="34" charset="0"/>
+        <a:buFont typeface="Arial" pitchFamily="34" charset="0"/>
         <a:buChar char="•"/>
         <a:defRPr sz="2000" kern="1200">
           <a:solidFill>
@@ -2897,7 +2897,7 @@
         <a:spcBef>
           <a:spcPts val="500"/>
         </a:spcBef>
-        <a:buFont typeface="Arial" panose="020b0604020202020204" pitchFamily="34" charset="0"/>
+        <a:buFont typeface="Arial" pitchFamily="34" charset="0"/>
         <a:buChar char="•"/>
         <a:defRPr sz="1800" kern="1200">
           <a:solidFill>
@@ -2915,7 +2915,7 @@
         <a:spcBef>
           <a:spcPts val="500"/>
         </a:spcBef>
-        <a:buFont typeface="Arial" panose="020b0604020202020204" pitchFamily="34" charset="0"/>
+        <a:buFont typeface="Arial" pitchFamily="34" charset="0"/>
         <a:buChar char="•"/>
         <a:defRPr sz="1800" kern="1200">
           <a:solidFill>
@@ -2933,7 +2933,7 @@
         <a:spcBef>
           <a:spcPts val="500"/>
         </a:spcBef>
-        <a:buFont typeface="Arial" panose="020b0604020202020204" pitchFamily="34" charset="0"/>
+        <a:buFont typeface="Arial" pitchFamily="34" charset="0"/>
         <a:buChar char="•"/>
         <a:defRPr sz="1800" kern="1200">
           <a:solidFill>
@@ -2951,7 +2951,7 @@
         <a:spcBef>
           <a:spcPts val="500"/>
         </a:spcBef>
-        <a:buFont typeface="Arial" panose="020b0604020202020204" pitchFamily="34" charset="0"/>
+        <a:buFont typeface="Arial" pitchFamily="34" charset="0"/>
         <a:buChar char="•"/>
         <a:defRPr sz="1800" kern="1200">
           <a:solidFill>
@@ -2969,7 +2969,7 @@
         <a:spcBef>
           <a:spcPts val="500"/>
         </a:spcBef>
-        <a:buFont typeface="Arial" panose="020b0604020202020204" pitchFamily="34" charset="0"/>
+        <a:buFont typeface="Arial" pitchFamily="34" charset="0"/>
         <a:buChar char="•"/>
         <a:defRPr sz="1800" kern="1200">
           <a:solidFill>
@@ -2987,7 +2987,7 @@
         <a:spcBef>
           <a:spcPts val="500"/>
         </a:spcBef>
-        <a:buFont typeface="Arial" panose="020b0604020202020204" pitchFamily="34" charset="0"/>
+        <a:buFont typeface="Arial" pitchFamily="34" charset="0"/>
         <a:buChar char="•"/>
         <a:defRPr sz="1800" kern="1200">
           <a:solidFill>
@@ -3099,7 +3099,7 @@
 </file>
 
 <file path=ppt/slides/slide1.xml><?xml version="1.0" encoding="utf-8"?>
-<p:sld xmlns:a="http://schemas.openxmlformats.org/drawingml/2006/main" xmlns:r="http://schemas.openxmlformats.org/officeDocument/2006/relationships" xmlns:p14="http://schemas.microsoft.com/office/powerpoint/2010/main" xmlns:a14="http://schemas.microsoft.com/office/drawing/2010/main" xmlns:p15="http://schemas.microsoft.com/office/powerpoint/2012/main" xmlns:p159="http://schemas.microsoft.com/office/powerpoint/2015/09/main" xmlns:p="http://schemas.openxmlformats.org/presentationml/2006/main">
+<p:sld xmlns:a="http://schemas.openxmlformats.org/drawingml/2006/main" xmlns:r="http://schemas.openxmlformats.org/officeDocument/2006/relationships" xmlns:m="http://schemas.openxmlformats.org/officeDocument/2006/math" xmlns:w="http://schemas.openxmlformats.org/wordprocessingml/2006/main" xmlns:wp="http://schemas.openxmlformats.org/drawingml/2006/wordprocessingDrawing" xmlns:a14="http://schemas.microsoft.com/office/drawing/2010/main" xmlns:mc="http://schemas.openxmlformats.org/markup-compatibility/2006" xmlns:p14="http://schemas.microsoft.com/office/powerpoint/2010/main" xmlns:p15="http://schemas.microsoft.com/office/powerpoint/2012/main" xmlns:p159="http://schemas.microsoft.com/office/powerpoint/2015/09/main" xmlns:p="http://schemas.openxmlformats.org/presentationml/2006/main">
   <p:cSld>
     <p:spTree>
       <p:nvGrpSpPr>
@@ -3115,21 +3115,21 @@
       </p:grpSpPr>
       <p:grpSp>
         <p:nvGrpSpPr>
-          <p:cNvPr id="6" name=""/>
+          <p:cNvPr id="6" name="" title=""/>
           <p:cNvGrpSpPr/>
           <p:nvPr/>
         </p:nvGrpSpPr>
         <p:grpSpPr>
           <a:xfrm>
-            <a:off x="2667000" y="0"/>
-            <a:ext cx="3807660" cy="5143500"/>
+            <a:off x="2666999" y="0"/>
+            <a:ext cx="3807660" cy="5305151"/>
             <a:chOff x="2032000" y="-635000"/>
-            <a:chExt cx="3807660" cy="5143500"/>
+            <a:chExt cx="3807660" cy="5305151"/>
           </a:xfrm>
         </p:grpSpPr>
         <p:sp>
           <p:nvSpPr>
-            <p:cNvPr id="7" name="New shape"/>
+            <p:cNvPr id="7" name="New shape" title=""/>
             <p:cNvSpPr/>
             <p:nvPr/>
           </p:nvSpPr>
@@ -3139,6 +3139,7 @@
               <a:ext cx="1972165" cy="1723073"/>
             </a:xfrm>
             <a:custGeom>
+              <a:rect l="l" t="t" r="r" b="b"/>
               <a:pathLst>
                 <a:path w="1972164" h="1723072">
                   <a:moveTo>
@@ -3929,7 +3930,7 @@
         </p:sp>
         <p:sp>
           <p:nvSpPr>
-            <p:cNvPr id="8" name="New shape"/>
+            <p:cNvPr id="8" name="New shape" title=""/>
             <p:cNvSpPr/>
             <p:nvPr/>
           </p:nvSpPr>
@@ -3939,6 +3940,7 @@
               <a:ext cx="1165370" cy="1112466"/>
             </a:xfrm>
             <a:custGeom>
+              <a:rect l="l" t="t" r="r" b="b"/>
               <a:pathLst>
                 <a:path w="1165370" h="1112465">
                   <a:moveTo>
@@ -4452,7 +4454,7 @@
         </p:sp>
         <p:sp>
           <p:nvSpPr>
-            <p:cNvPr id="9" name="New shape"/>
+            <p:cNvPr id="9" name="New shape" title=""/>
             <p:cNvSpPr/>
             <p:nvPr/>
           </p:nvSpPr>
@@ -4462,6 +4464,7 @@
               <a:ext cx="264523" cy="208679"/>
             </a:xfrm>
             <a:custGeom>
+              <a:rect l="l" t="t" r="r" b="b"/>
               <a:pathLst>
                 <a:path w="264523" h="208679">
                   <a:moveTo>
@@ -4563,7 +4566,7 @@
         </p:sp>
         <p:sp>
           <p:nvSpPr>
-            <p:cNvPr id="10" name="New shape"/>
+            <p:cNvPr id="10" name="New shape" title=""/>
             <p:cNvSpPr/>
             <p:nvPr/>
           </p:nvSpPr>
@@ -4573,6 +4576,7 @@
               <a:ext cx="1499698" cy="1064704"/>
             </a:xfrm>
             <a:custGeom>
+              <a:rect l="l" t="t" r="r" b="b"/>
               <a:pathLst>
                 <a:path w="1499697" h="1064704">
                   <a:moveTo>
@@ -5281,7 +5285,7 @@
         </p:sp>
         <p:sp>
           <p:nvSpPr>
-            <p:cNvPr id="11" name="New shape"/>
+            <p:cNvPr id="11" name="New shape" title=""/>
             <p:cNvSpPr/>
             <p:nvPr/>
           </p:nvSpPr>
@@ -5291,6 +5295,7 @@
               <a:ext cx="188840" cy="395315"/>
             </a:xfrm>
             <a:custGeom>
+              <a:rect l="l" t="t" r="r" b="b"/>
               <a:pathLst>
                 <a:path w="188839" h="395314">
                   <a:moveTo>
@@ -5384,7 +5389,7 @@
         </p:sp>
         <p:sp>
           <p:nvSpPr>
-            <p:cNvPr id="12" name="New shape"/>
+            <p:cNvPr id="12" name="New shape" title=""/>
             <p:cNvSpPr/>
             <p:nvPr/>
           </p:nvSpPr>
@@ -5394,6 +5399,7 @@
               <a:ext cx="445280" cy="351227"/>
             </a:xfrm>
             <a:custGeom>
+              <a:rect l="l" t="t" r="r" b="b"/>
               <a:pathLst>
                 <a:path w="445280" h="351227">
                   <a:moveTo>
@@ -5528,7 +5534,7 @@
         </p:sp>
         <p:sp>
           <p:nvSpPr>
-            <p:cNvPr id="13" name="New shape"/>
+            <p:cNvPr id="13" name="New shape" title=""/>
             <p:cNvSpPr/>
             <p:nvPr/>
           </p:nvSpPr>
@@ -5538,6 +5544,7 @@
               <a:ext cx="2098548" cy="2175701"/>
             </a:xfrm>
             <a:custGeom>
+              <a:rect l="l" t="t" r="r" b="b"/>
               <a:pathLst>
                 <a:path w="2098547" h="2175700">
                   <a:moveTo>
@@ -6275,7 +6282,7 @@
         </p:sp>
         <p:sp>
           <p:nvSpPr>
-            <p:cNvPr id="14" name="New shape"/>
+            <p:cNvPr id="14" name="New shape" title=""/>
             <p:cNvSpPr/>
             <p:nvPr/>
           </p:nvSpPr>
@@ -6285,6 +6292,7 @@
               <a:ext cx="1158022" cy="941996"/>
             </a:xfrm>
             <a:custGeom>
+              <a:rect l="l" t="t" r="r" b="b"/>
               <a:pathLst>
                 <a:path w="1158022" h="941995">
                   <a:moveTo>
@@ -6665,7 +6673,7 @@
         </p:sp>
         <p:sp>
           <p:nvSpPr>
-            <p:cNvPr id="15" name="New shape"/>
+            <p:cNvPr id="15" name="New shape" title=""/>
             <p:cNvSpPr/>
             <p:nvPr/>
           </p:nvSpPr>
@@ -6675,6 +6683,7 @@
               <a:ext cx="1090422" cy="1392419"/>
             </a:xfrm>
             <a:custGeom>
+              <a:rect l="l" t="t" r="r" b="b"/>
               <a:pathLst>
                 <a:path w="1090421" h="1392418">
                   <a:moveTo>
@@ -7061,7 +7070,7 @@
         </p:sp>
         <p:sp>
           <p:nvSpPr>
-            <p:cNvPr id="16" name="New shape"/>
+            <p:cNvPr id="16" name="New shape" title=""/>
             <p:cNvSpPr/>
             <p:nvPr/>
           </p:nvSpPr>
@@ -7071,6 +7080,7 @@
               <a:ext cx="1280732" cy="1001513"/>
             </a:xfrm>
             <a:custGeom>
+              <a:rect l="l" t="t" r="r" b="b"/>
               <a:pathLst>
                 <a:path w="1280731" h="1001512">
                   <a:moveTo>
@@ -7445,7 +7455,7 @@
         </p:sp>
         <p:sp>
           <p:nvSpPr>
-            <p:cNvPr id="17" name="New shape"/>
+            <p:cNvPr id="17" name="New shape" title=""/>
             <p:cNvSpPr/>
             <p:nvPr/>
           </p:nvSpPr>
@@ -7455,6 +7465,7 @@
               <a:ext cx="1436506" cy="1448997"/>
             </a:xfrm>
             <a:custGeom>
+              <a:rect l="l" t="t" r="r" b="b"/>
               <a:pathLst>
                 <a:path w="1436505" h="1448997">
                   <a:moveTo>
@@ -7962,7 +7973,7 @@
         </p:sp>
         <p:sp>
           <p:nvSpPr>
-            <p:cNvPr id="18" name="New shape"/>
+            <p:cNvPr id="18" name="New shape" title=""/>
             <p:cNvSpPr/>
             <p:nvPr/>
           </p:nvSpPr>
@@ -7972,6 +7983,7 @@
               <a:ext cx="1506311" cy="1414462"/>
             </a:xfrm>
             <a:custGeom>
+              <a:rect l="l" t="t" r="r" b="b"/>
               <a:pathLst>
                 <a:path w="1506310" h="1414462">
                   <a:moveTo>
@@ -8514,7 +8526,7 @@
         </p:sp>
         <p:sp>
           <p:nvSpPr>
-            <p:cNvPr id="19" name="New shape"/>
+            <p:cNvPr id="19" name="New shape" title=""/>
             <p:cNvSpPr/>
             <p:nvPr/>
           </p:nvSpPr>
@@ -8524,6 +8536,7 @@
               <a:ext cx="1327757" cy="1466632"/>
             </a:xfrm>
             <a:custGeom>
+              <a:rect l="l" t="t" r="r" b="b"/>
               <a:pathLst>
                 <a:path w="1327757" h="1466632">
                   <a:moveTo>
@@ -9006,7 +9019,7 @@
         </p:sp>
         <p:sp>
           <p:nvSpPr>
-            <p:cNvPr id="20" name="New shape"/>
+            <p:cNvPr id="20" name="New shape" title=""/>
             <p:cNvSpPr/>
             <p:nvPr/>
           </p:nvSpPr>
@@ -9016,6 +9029,7 @@
               <a:ext cx="1048539" cy="1483532"/>
             </a:xfrm>
             <a:custGeom>
+              <a:rect l="l" t="t" r="r" b="b"/>
               <a:pathLst>
                 <a:path w="1048539" h="1483532">
                   <a:moveTo>
@@ -9468,7 +9482,7 @@
         </p:sp>
         <p:sp>
           <p:nvSpPr>
-            <p:cNvPr id="21" name="New shape"/>
+            <p:cNvPr id="21" name="New shape" title=""/>
             <p:cNvSpPr/>
             <p:nvPr/>
           </p:nvSpPr>
@@ -9478,6 +9492,7 @@
               <a:ext cx="231458" cy="210149"/>
             </a:xfrm>
             <a:custGeom>
+              <a:rect l="l" t="t" r="r" b="b"/>
               <a:pathLst>
                 <a:path w="231457" h="210148">
                   <a:moveTo>
@@ -9573,7 +9588,7 @@
         </p:sp>
         <p:sp>
           <p:nvSpPr>
-            <p:cNvPr id="22" name="New shape"/>
+            <p:cNvPr id="22" name="New shape" title=""/>
             <p:cNvSpPr/>
             <p:nvPr/>
           </p:nvSpPr>
@@ -9583,6 +9598,7 @@
               <a:ext cx="1008861" cy="1309388"/>
             </a:xfrm>
             <a:custGeom>
+              <a:rect l="l" t="t" r="r" b="b"/>
               <a:pathLst>
                 <a:path w="1008860" h="1309387">
                   <a:moveTo>
@@ -9961,7 +9977,112 @@
             </a:p>
           </p:txBody>
         </p:sp>
+        <p:sp>
+          <p:nvSpPr>
+            <p:cNvPr id="23" name="New shape" title=""/>
+            <p:cNvSpPr/>
+            <p:nvPr/>
+          </p:nvSpPr>
+          <p:spPr>
+            <a:xfrm>
+              <a:off x="3529148" y="4506551"/>
+              <a:ext cx="2164877" cy="163599"/>
+            </a:xfrm>
+            <a:prstGeom prst="rect">
+              <a:avLst/>
+            </a:prstGeom>
+          </p:spPr>
+          <p:txBody>
+            <a:bodyPr wrap="none" rtlCol="0" anchor="t">
+              <a:spAutoFit/>
+            </a:bodyPr>
+            <a:lstStyle/>
+            <a:p>
+              <a:pPr algn="l"/>
+              <a:r>
+                <a:rPr sz="463" spc="0">
+                  <a:solidFill>
+                    <a:srgbClr val="000000"/>
+                  </a:solidFill>
+                  <a:latin typeface="Verdana"/>
+                </a:rPr>
+                <a:t>Copyright (c) 2015 Highsoft AS, Based on data from Natural Earth</a:t>
+              </a:r>
+            </a:p>
+          </p:txBody>
+        </p:sp>
       </p:grpSp>
+      <p:sp>
+        <p:nvSpPr>
+          <p:cNvPr id="24" name="TextBox"/>
+          <p:cNvSpPr txBox="1">
+            <a:spLocks noGrp="1" noSelect="1" noRot="1" noMove="1"/>
+          </p:cNvSpPr>
+          <p:nvPr/>
+        </p:nvSpPr>
+        <p:spPr>
+          <a:xfrm>
+            <a:off x="2890520" y="2644140"/>
+            <a:ext cx="6411372" cy="1569660"/>
+          </a:xfrm>
+          <a:prstGeom prst="rect">
+            <a:avLst/>
+          </a:prstGeom>
+          <a:noFill/>
+        </p:spPr>
+        <p:txBody>
+          <a:bodyPr wrap="none" rtlCol="0" anchor="ctr" anchorCtr="1">
+            <a:spAutoFit/>
+          </a:bodyPr>
+          <a:lstStyle>
+            <a:lvl1pPr algn="l">
+              <a:lnSpc>
+                <a:spcPct val="150000"/>
+              </a:lnSpc>
+              <a:spcBef>
+                <a:spcPct val="0"/>
+              </a:spcBef>
+              <a:spcAft>
+                <a:spcPct val="0"/>
+              </a:spcAft>
+              <a:defRPr lang="en-US" sz="3200" b="1" noProof="1" dirty="0">
+                <a:solidFill>
+                  <a:prstClr val="red">
+                    <a:lumOff val="30000"/>
+                    <a:alpha val="40000"/>
+                  </a:prstClr>
+                </a:solidFill>
+                <a:effectLst>
+                  <a:outerShdw blurRad="50800" dist="38100" algn="tr" rotWithShape="0">
+                    <a:prstClr val="black">
+                      <a:alpha val="80000"/>
+                    </a:prstClr>
+                  </a:outerShdw>
+                </a:effectLst>
+                <a:latin typeface="Calibri" pitchFamily="34" charset="0"/>
+              </a:defRPr>
+            </a:lvl1pPr>
+          </a:lstStyle>
+          <a:p>
+            <a:pPr algn="ctr"/>
+            <a:r>
+              <a:t>Evaluation only.</a:t>
+            </a:r>
+          </a:p>
+          <a:p>
+            <a:pPr algn="ctr"/>
+            <a:r>
+              <a:t>Created with Aspose.Slides for .NET 4.0 Client Profile 21.12.</a:t>
+            </a:r>
+          </a:p>
+          <a:p>
+            <a:pPr algn="ctr"/>
+            <a:r>
+              <a:t>Copyright 2004-2021Aspose Pty Ltd.</a:t>
+            </a:r>
+          </a:p>
+        </p:txBody>
+      </p:sp>
     </p:spTree>
     <p:extLst>
       <p:ext uri="{BB962C8B-B14F-4D97-AF65-F5344CB8AC3E}">
@@ -9980,10 +10101,10 @@
 <file path=ppt/tags/tag1.xml><?xml version="1.0" encoding="utf-8"?>
 <p:tagLst xmlns:p="http://schemas.openxmlformats.org/presentationml/2006/main">
   <p:tag name="AS_NET" val="4.0.30319.42000"/>
-  <p:tag name="AS_OS" val="Microsoft Windows NT 6.2.9200.0"/>
-  <p:tag name="AS_RELEASE_DATE" val="2019.05.17"/>
+  <p:tag name="AS_OS" val="Microsoft Windows NT 6.3.9600.0"/>
+  <p:tag name="AS_RELEASE_DATE" val="2021.12.14"/>
   <p:tag name="AS_TITLE" val="Aspose.Slides for .NET 4.0 Client Profile"/>
-  <p:tag name="AS_VERSION" val="19.5"/>
+  <p:tag name="AS_VERSION" val="21.12"/>
 </p:tagLst>
 </file>
 
@@ -10031,7 +10152,7 @@
     <a:fontScheme name="Office">
       <a:majorFont>
         <a:latin typeface="Calibri Light" panose="020f0302020204030204"/>
-        <a:ea typeface="Arial"/>
+        <a:ea typeface="Calibri Light" panose="020f0302020204030204"/>
         <a:cs typeface="Arial"/>
         <a:font script="Jpan" typeface="游ゴシック Light"/>
         <a:font script="Hang" typeface="맑은 고딕"/>
@@ -10083,7 +10204,7 @@
       </a:majorFont>
       <a:minorFont>
         <a:latin typeface="Calibri" panose="020f0502020204030204"/>
-        <a:ea typeface="Arial"/>
+        <a:ea typeface="Calibri" panose="020f0502020204030204"/>
         <a:cs typeface="Arial"/>
         <a:font script="Jpan" typeface="游ゴシック"/>
         <a:font script="Hang" typeface="맑은 고딕"/>
